--- a/Midterm Presentation .pptx
+++ b/Midterm Presentation .pptx
@@ -270,7 +270,7 @@
           <a:p>
             <a:fld id="{F270A180-506C-4064-9284-F6A2F5C2C65E}" type="datetimeFigureOut">
               <a:rPr lang="en-US" smtClean="0"/>
-              <a:t>10/18/2017</a:t>
+              <a:t>10/19/2017</a:t>
             </a:fld>
             <a:endParaRPr lang="en-US"/>
           </a:p>
@@ -468,7 +468,7 @@
           <a:p>
             <a:fld id="{F270A180-506C-4064-9284-F6A2F5C2C65E}" type="datetimeFigureOut">
               <a:rPr lang="en-US" smtClean="0"/>
-              <a:t>10/18/2017</a:t>
+              <a:t>10/19/2017</a:t>
             </a:fld>
             <a:endParaRPr lang="en-US"/>
           </a:p>
@@ -676,7 +676,7 @@
           <a:p>
             <a:fld id="{F270A180-506C-4064-9284-F6A2F5C2C65E}" type="datetimeFigureOut">
               <a:rPr lang="en-US" smtClean="0"/>
-              <a:t>10/18/2017</a:t>
+              <a:t>10/19/2017</a:t>
             </a:fld>
             <a:endParaRPr lang="en-US"/>
           </a:p>
@@ -874,7 +874,7 @@
           <a:p>
             <a:fld id="{F270A180-506C-4064-9284-F6A2F5C2C65E}" type="datetimeFigureOut">
               <a:rPr lang="en-US" smtClean="0"/>
-              <a:t>10/18/2017</a:t>
+              <a:t>10/19/2017</a:t>
             </a:fld>
             <a:endParaRPr lang="en-US"/>
           </a:p>
@@ -1149,7 +1149,7 @@
           <a:p>
             <a:fld id="{F270A180-506C-4064-9284-F6A2F5C2C65E}" type="datetimeFigureOut">
               <a:rPr lang="en-US" smtClean="0"/>
-              <a:t>10/18/2017</a:t>
+              <a:t>10/19/2017</a:t>
             </a:fld>
             <a:endParaRPr lang="en-US"/>
           </a:p>
@@ -1414,7 +1414,7 @@
           <a:p>
             <a:fld id="{F270A180-506C-4064-9284-F6A2F5C2C65E}" type="datetimeFigureOut">
               <a:rPr lang="en-US" smtClean="0"/>
-              <a:t>10/18/2017</a:t>
+              <a:t>10/19/2017</a:t>
             </a:fld>
             <a:endParaRPr lang="en-US"/>
           </a:p>
@@ -1826,7 +1826,7 @@
           <a:p>
             <a:fld id="{F270A180-506C-4064-9284-F6A2F5C2C65E}" type="datetimeFigureOut">
               <a:rPr lang="en-US" smtClean="0"/>
-              <a:t>10/18/2017</a:t>
+              <a:t>10/19/2017</a:t>
             </a:fld>
             <a:endParaRPr lang="en-US"/>
           </a:p>
@@ -1967,7 +1967,7 @@
           <a:p>
             <a:fld id="{F270A180-506C-4064-9284-F6A2F5C2C65E}" type="datetimeFigureOut">
               <a:rPr lang="en-US" smtClean="0"/>
-              <a:t>10/18/2017</a:t>
+              <a:t>10/19/2017</a:t>
             </a:fld>
             <a:endParaRPr lang="en-US"/>
           </a:p>
@@ -2080,7 +2080,7 @@
           <a:p>
             <a:fld id="{F270A180-506C-4064-9284-F6A2F5C2C65E}" type="datetimeFigureOut">
               <a:rPr lang="en-US" smtClean="0"/>
-              <a:t>10/18/2017</a:t>
+              <a:t>10/19/2017</a:t>
             </a:fld>
             <a:endParaRPr lang="en-US"/>
           </a:p>
@@ -2391,7 +2391,7 @@
           <a:p>
             <a:fld id="{F270A180-506C-4064-9284-F6A2F5C2C65E}" type="datetimeFigureOut">
               <a:rPr lang="en-US" smtClean="0"/>
-              <a:t>10/18/2017</a:t>
+              <a:t>10/19/2017</a:t>
             </a:fld>
             <a:endParaRPr lang="en-US"/>
           </a:p>
@@ -2679,7 +2679,7 @@
           <a:p>
             <a:fld id="{F270A180-506C-4064-9284-F6A2F5C2C65E}" type="datetimeFigureOut">
               <a:rPr lang="en-US" smtClean="0"/>
-              <a:t>10/18/2017</a:t>
+              <a:t>10/19/2017</a:t>
             </a:fld>
             <a:endParaRPr lang="en-US"/>
           </a:p>
@@ -2920,7 +2920,7 @@
           <a:p>
             <a:fld id="{F270A180-506C-4064-9284-F6A2F5C2C65E}" type="datetimeFigureOut">
               <a:rPr lang="en-US" smtClean="0"/>
-              <a:t>10/18/2017</a:t>
+              <a:t>10/19/2017</a:t>
             </a:fld>
             <a:endParaRPr lang="en-US"/>
           </a:p>
@@ -4281,22 +4281,21 @@
           <a:p>
             <a:r>
               <a:rPr lang="en-US" dirty="0"/>
-              <a:t>Analysis was limited by Genres of Music not lining up to particular genres of Movies, and a rating from 1 to 5 not giving a very clear spread.</a:t>
+              <a:t>A rating from 1 to 5 not giving a very clear spread.</a:t>
             </a:r>
           </a:p>
           <a:p>
             <a:r>
               <a:rPr lang="en-US" dirty="0"/>
-              <a:t>In the future</a:t>
-            </a:r>
-            <a:r>
-              <a:rPr lang="en-US"/>
-              <a:t>, it </a:t>
-            </a:r>
-            <a:r>
-              <a:rPr lang="en-US" dirty="0"/>
-              <a:t>would be useful to analyze if Movie Score and Music Score have any correlation.</a:t>
-            </a:r>
+              <a:t>In the future, it would be useful to analyze if Movie Score and Music Score have any correlation.</a:t>
+            </a:r>
+          </a:p>
+          <a:p>
+            <a:r>
+              <a:rPr lang="en-US"/>
+              <a:t>Analysis could be done to find associations between movie genre preference and music genre preference.</a:t>
+            </a:r>
+            <a:endParaRPr lang="en-US" dirty="0"/>
           </a:p>
           <a:p>
             <a:endParaRPr lang="en-US" dirty="0"/>
